--- a/Day 3/Slides/3. Implementing Class Constructors and Initializers/implementing-class-constructors-and-initializers-slides.pptx
+++ b/Day 3/Slides/3. Implementing Class Constructors and Initializers/implementing-class-constructors-and-initializers-slides.pptx
@@ -5,44 +5,44 @@
     <p:sldMasterId id="2147483648" r:id="rId1"/>
   </p:sldMasterIdLst>
   <p:notesMasterIdLst>
-    <p:notesMasterId r:id="rId38"/>
+    <p:notesMasterId r:id="rId37"/>
   </p:notesMasterIdLst>
   <p:sldIdLst>
-    <p:sldId id="256" r:id="rId3"/>
-    <p:sldId id="257" r:id="rId4"/>
-    <p:sldId id="258" r:id="rId5"/>
-    <p:sldId id="259" r:id="rId6"/>
-    <p:sldId id="261" r:id="rId7"/>
-    <p:sldId id="262" r:id="rId8"/>
-    <p:sldId id="263" r:id="rId9"/>
-    <p:sldId id="264" r:id="rId10"/>
-    <p:sldId id="265" r:id="rId11"/>
-    <p:sldId id="266" r:id="rId12"/>
-    <p:sldId id="267" r:id="rId13"/>
-    <p:sldId id="270" r:id="rId14"/>
-    <p:sldId id="268" r:id="rId15"/>
-    <p:sldId id="269" r:id="rId16"/>
-    <p:sldId id="272" r:id="rId17"/>
-    <p:sldId id="273" r:id="rId18"/>
-    <p:sldId id="278" r:id="rId19"/>
-    <p:sldId id="279" r:id="rId20"/>
-    <p:sldId id="280" r:id="rId21"/>
-    <p:sldId id="274" r:id="rId22"/>
-    <p:sldId id="281" r:id="rId23"/>
-    <p:sldId id="282" r:id="rId24"/>
-    <p:sldId id="283" r:id="rId25"/>
-    <p:sldId id="284" r:id="rId26"/>
-    <p:sldId id="285" r:id="rId27"/>
-    <p:sldId id="286" r:id="rId28"/>
-    <p:sldId id="275" r:id="rId29"/>
-    <p:sldId id="287" r:id="rId30"/>
-    <p:sldId id="288" r:id="rId31"/>
-    <p:sldId id="289" r:id="rId32"/>
-    <p:sldId id="290" r:id="rId33"/>
-    <p:sldId id="291" r:id="rId34"/>
-    <p:sldId id="276" r:id="rId35"/>
-    <p:sldId id="292" r:id="rId36"/>
-    <p:sldId id="293" r:id="rId37"/>
+    <p:sldId id="256" r:id="rId2"/>
+    <p:sldId id="257" r:id="rId3"/>
+    <p:sldId id="258" r:id="rId4"/>
+    <p:sldId id="259" r:id="rId5"/>
+    <p:sldId id="261" r:id="rId6"/>
+    <p:sldId id="262" r:id="rId7"/>
+    <p:sldId id="263" r:id="rId8"/>
+    <p:sldId id="264" r:id="rId9"/>
+    <p:sldId id="265" r:id="rId10"/>
+    <p:sldId id="266" r:id="rId11"/>
+    <p:sldId id="267" r:id="rId12"/>
+    <p:sldId id="270" r:id="rId13"/>
+    <p:sldId id="268" r:id="rId14"/>
+    <p:sldId id="269" r:id="rId15"/>
+    <p:sldId id="272" r:id="rId16"/>
+    <p:sldId id="273" r:id="rId17"/>
+    <p:sldId id="278" r:id="rId18"/>
+    <p:sldId id="279" r:id="rId19"/>
+    <p:sldId id="280" r:id="rId20"/>
+    <p:sldId id="274" r:id="rId21"/>
+    <p:sldId id="281" r:id="rId22"/>
+    <p:sldId id="282" r:id="rId23"/>
+    <p:sldId id="283" r:id="rId24"/>
+    <p:sldId id="284" r:id="rId25"/>
+    <p:sldId id="285" r:id="rId26"/>
+    <p:sldId id="286" r:id="rId27"/>
+    <p:sldId id="275" r:id="rId28"/>
+    <p:sldId id="287" r:id="rId29"/>
+    <p:sldId id="288" r:id="rId30"/>
+    <p:sldId id="289" r:id="rId31"/>
+    <p:sldId id="290" r:id="rId32"/>
+    <p:sldId id="291" r:id="rId33"/>
+    <p:sldId id="276" r:id="rId34"/>
+    <p:sldId id="292" r:id="rId35"/>
+    <p:sldId id="293" r:id="rId36"/>
   </p:sldIdLst>
   <p:sldSz cx="12192000" cy="6858000"/>
   <p:notesSz cx="12192000" cy="6858000"/>
@@ -138,6 +138,22 @@
       </a:defRPr>
     </a:lvl9pPr>
   </p:defaultTextStyle>
+  <p:extLst>
+    <p:ext uri="{EFAFB233-063F-42B5-8137-9DF3F51BA10A}">
+      <p15:sldGuideLst xmlns:p15="http://schemas.microsoft.com/office/powerpoint/2012/main">
+        <p15:guide id="1" orient="horz" pos="2880">
+          <p15:clr>
+            <a:srgbClr val="A4A3A4"/>
+          </p15:clr>
+        </p15:guide>
+        <p15:guide id="2" pos="2147">
+          <p15:clr>
+            <a:srgbClr val="A4A3A4"/>
+          </p15:clr>
+        </p15:guide>
+      </p15:sldGuideLst>
+    </p:ext>
+  </p:extLst>
 </p:presentation>
 </file>
 
@@ -223,6 +239,7 @@
           <a:p>
             <a:fld id="{3EFD42F7-718C-4B98-AAEC-167E6DDD60A7}" type="datetimeFigureOut">
               <a:rPr lang="en-US" smtClean="0"/>
+              <a:t>8/7/2023</a:t>
             </a:fld>
             <a:endParaRPr lang="en-US"/>
           </a:p>
@@ -286,42 +303,37 @@
           <a:p>
             <a:pPr lvl="0"/>
             <a:r>
-              <a:rPr lang="en-US" smtClean="0"/>
+              <a:rPr lang="en-US"/>
               <a:t>Click to edit Master text styles</a:t>
             </a:r>
-            <a:endParaRPr lang="en-US" smtClean="0"/>
           </a:p>
           <a:p>
             <a:pPr lvl="1"/>
             <a:r>
-              <a:rPr lang="en-US" smtClean="0"/>
+              <a:rPr lang="en-US"/>
               <a:t>Second level</a:t>
             </a:r>
-            <a:endParaRPr lang="en-US" smtClean="0"/>
           </a:p>
           <a:p>
             <a:pPr lvl="2"/>
             <a:r>
-              <a:rPr lang="en-US" smtClean="0"/>
+              <a:rPr lang="en-US"/>
               <a:t>Third level</a:t>
             </a:r>
-            <a:endParaRPr lang="en-US" smtClean="0"/>
           </a:p>
           <a:p>
             <a:pPr lvl="3"/>
             <a:r>
-              <a:rPr lang="en-US" smtClean="0"/>
+              <a:rPr lang="en-US"/>
               <a:t>Fourth level</a:t>
             </a:r>
-            <a:endParaRPr lang="en-US" smtClean="0"/>
           </a:p>
           <a:p>
             <a:pPr lvl="4"/>
             <a:r>
-              <a:rPr lang="en-US" smtClean="0"/>
+              <a:rPr lang="en-US"/>
               <a:t>Fifth level</a:t>
             </a:r>
-            <a:endParaRPr lang="en-US"/>
           </a:p>
         </p:txBody>
       </p:sp>
@@ -385,6 +397,7 @@
           <a:p>
             <a:fld id="{21B2AA4F-B828-4D7C-AFD3-893933DAFCB4}" type="slidenum">
               <a:rPr lang="en-US" smtClean="0"/>
+              <a:t>‹#›</a:t>
             </a:fld>
             <a:endParaRPr lang="en-US"/>
           </a:p>
@@ -533,7 +546,9 @@
               <a:defRPr/>
             </a:lvl1pPr>
           </a:lstStyle>
-          <a:p/>
+          <a:p>
+            <a:endParaRPr/>
+          </a:p>
         </p:txBody>
       </p:sp>
       <p:sp>
@@ -564,7 +579,9 @@
               <a:defRPr/>
             </a:lvl1pPr>
           </a:lstStyle>
-          <a:p/>
+          <a:p>
+            <a:endParaRPr/>
+          </a:p>
         </p:txBody>
       </p:sp>
       <p:sp>
@@ -591,7 +608,9 @@
               </a:defRPr>
             </a:lvl1pPr>
           </a:lstStyle>
-          <a:p/>
+          <a:p>
+            <a:endParaRPr/>
+          </a:p>
         </p:txBody>
       </p:sp>
       <p:sp>
@@ -621,6 +640,7 @@
           <a:p>
             <a:fld id="{1D8BD707-D9CF-40AE-B4C6-C98DA3205C09}" type="datetimeFigureOut">
               <a:rPr lang="en-US"/>
+              <a:t>8/7/2023</a:t>
             </a:fld>
             <a:endParaRPr lang="en-US"/>
           </a:p>
@@ -653,6 +673,7 @@
           <a:p>
             <a:fld id="{B6F15528-21DE-4FAA-801E-634DDDAF4B2B}" type="slidenum">
               <a:rPr/>
+              <a:t>‹#›</a:t>
             </a:fld>
             <a:endParaRPr/>
           </a:p>
@@ -708,7 +729,9 @@
               </a:defRPr>
             </a:lvl1pPr>
           </a:lstStyle>
-          <a:p/>
+          <a:p>
+            <a:endParaRPr/>
+          </a:p>
         </p:txBody>
       </p:sp>
       <p:sp>
@@ -735,7 +758,9 @@
               </a:defRPr>
             </a:lvl1pPr>
           </a:lstStyle>
-          <a:p/>
+          <a:p>
+            <a:endParaRPr/>
+          </a:p>
         </p:txBody>
       </p:sp>
       <p:sp>
@@ -762,7 +787,9 @@
               </a:defRPr>
             </a:lvl1pPr>
           </a:lstStyle>
-          <a:p/>
+          <a:p>
+            <a:endParaRPr/>
+          </a:p>
         </p:txBody>
       </p:sp>
       <p:sp>
@@ -792,6 +819,7 @@
           <a:p>
             <a:fld id="{1D8BD707-D9CF-40AE-B4C6-C98DA3205C09}" type="datetimeFigureOut">
               <a:rPr lang="en-US"/>
+              <a:t>8/7/2023</a:t>
             </a:fld>
             <a:endParaRPr lang="en-US"/>
           </a:p>
@@ -824,6 +852,7 @@
           <a:p>
             <a:fld id="{B6F15528-21DE-4FAA-801E-634DDDAF4B2B}" type="slidenum">
               <a:rPr/>
+              <a:t>‹#›</a:t>
             </a:fld>
             <a:endParaRPr/>
           </a:p>
@@ -879,7 +908,9 @@
               </a:defRPr>
             </a:lvl1pPr>
           </a:lstStyle>
-          <a:p/>
+          <a:p>
+            <a:endParaRPr/>
+          </a:p>
         </p:txBody>
       </p:sp>
       <p:sp>
@@ -910,7 +941,9 @@
               <a:defRPr/>
             </a:lvl1pPr>
           </a:lstStyle>
-          <a:p/>
+          <a:p>
+            <a:endParaRPr/>
+          </a:p>
         </p:txBody>
       </p:sp>
       <p:sp>
@@ -941,7 +974,9 @@
               <a:defRPr/>
             </a:lvl1pPr>
           </a:lstStyle>
-          <a:p/>
+          <a:p>
+            <a:endParaRPr/>
+          </a:p>
         </p:txBody>
       </p:sp>
       <p:sp>
@@ -968,7 +1003,9 @@
               </a:defRPr>
             </a:lvl1pPr>
           </a:lstStyle>
-          <a:p/>
+          <a:p>
+            <a:endParaRPr/>
+          </a:p>
         </p:txBody>
       </p:sp>
       <p:sp>
@@ -998,6 +1035,7 @@
           <a:p>
             <a:fld id="{1D8BD707-D9CF-40AE-B4C6-C98DA3205C09}" type="datetimeFigureOut">
               <a:rPr lang="en-US"/>
+              <a:t>8/7/2023</a:t>
             </a:fld>
             <a:endParaRPr lang="en-US"/>
           </a:p>
@@ -1030,6 +1068,7 @@
           <a:p>
             <a:fld id="{B6F15528-21DE-4FAA-801E-634DDDAF4B2B}" type="slidenum">
               <a:rPr/>
+              <a:t>‹#›</a:t>
             </a:fld>
             <a:endParaRPr/>
           </a:p>
@@ -1085,7 +1124,9 @@
               </a:defRPr>
             </a:lvl1pPr>
           </a:lstStyle>
-          <a:p/>
+          <a:p>
+            <a:endParaRPr/>
+          </a:p>
         </p:txBody>
       </p:sp>
       <p:sp>
@@ -1112,7 +1153,9 @@
               </a:defRPr>
             </a:lvl1pPr>
           </a:lstStyle>
-          <a:p/>
+          <a:p>
+            <a:endParaRPr/>
+          </a:p>
         </p:txBody>
       </p:sp>
       <p:sp>
@@ -1142,6 +1185,7 @@
           <a:p>
             <a:fld id="{1D8BD707-D9CF-40AE-B4C6-C98DA3205C09}" type="datetimeFigureOut">
               <a:rPr lang="en-US"/>
+              <a:t>8/7/2023</a:t>
             </a:fld>
             <a:endParaRPr lang="en-US"/>
           </a:p>
@@ -1174,6 +1218,7 @@
           <a:p>
             <a:fld id="{B6F15528-21DE-4FAA-801E-634DDDAF4B2B}" type="slidenum">
               <a:rPr/>
+              <a:t>‹#›</a:t>
             </a:fld>
             <a:endParaRPr/>
           </a:p>
@@ -1229,7 +1274,9 @@
               </a:defRPr>
             </a:lvl1pPr>
           </a:lstStyle>
-          <a:p/>
+          <a:p>
+            <a:endParaRPr/>
+          </a:p>
         </p:txBody>
       </p:sp>
       <p:sp>
@@ -1259,6 +1306,7 @@
           <a:p>
             <a:fld id="{1D8BD707-D9CF-40AE-B4C6-C98DA3205C09}" type="datetimeFigureOut">
               <a:rPr lang="en-US"/>
+              <a:t>8/7/2023</a:t>
             </a:fld>
             <a:endParaRPr lang="en-US"/>
           </a:p>
@@ -1291,6 +1339,7 @@
           <a:p>
             <a:fld id="{B6F15528-21DE-4FAA-801E-634DDDAF4B2B}" type="slidenum">
               <a:rPr/>
+              <a:t>‹#›</a:t>
             </a:fld>
             <a:endParaRPr/>
           </a:p>
@@ -1375,7 +1424,9 @@
         <p:txBody>
           <a:bodyPr wrap="square" lIns="0" tIns="0" rIns="0" bIns="0" rtlCol="0"/>
           <a:lstStyle/>
-          <a:p/>
+          <a:p>
+            <a:endParaRPr/>
+          </a:p>
         </p:txBody>
       </p:sp>
       <p:pic>
@@ -1385,7 +1436,7 @@
           <p:nvPr/>
         </p:nvPicPr>
         <p:blipFill>
-          <a:blip r:embed="rId6" cstate="print"/>
+          <a:blip r:embed="rId7" cstate="print"/>
           <a:stretch>
             <a:fillRect/>
           </a:stretch>
@@ -1457,7 +1508,9 @@
         <p:txBody>
           <a:bodyPr wrap="square" lIns="0" tIns="0" rIns="0" bIns="0" rtlCol="0"/>
           <a:lstStyle/>
-          <a:p/>
+          <a:p>
+            <a:endParaRPr/>
+          </a:p>
         </p:txBody>
       </p:sp>
       <p:sp>
@@ -1494,7 +1547,9 @@
               </a:defRPr>
             </a:lvl1pPr>
           </a:lstStyle>
-          <a:p/>
+          <a:p>
+            <a:endParaRPr/>
+          </a:p>
         </p:txBody>
       </p:sp>
       <p:sp>
@@ -1531,7 +1586,9 @@
               </a:defRPr>
             </a:lvl1pPr>
           </a:lstStyle>
-          <a:p/>
+          <a:p>
+            <a:endParaRPr/>
+          </a:p>
         </p:txBody>
       </p:sp>
       <p:sp>
@@ -1568,7 +1625,9 @@
               </a:defRPr>
             </a:lvl1pPr>
           </a:lstStyle>
-          <a:p/>
+          <a:p>
+            <a:endParaRPr/>
+          </a:p>
         </p:txBody>
       </p:sp>
       <p:sp>
@@ -1608,6 +1667,7 @@
           <a:p>
             <a:fld id="{1D8BD707-D9CF-40AE-B4C6-C98DA3205C09}" type="datetimeFigureOut">
               <a:rPr lang="en-US"/>
+              <a:t>8/7/2023</a:t>
             </a:fld>
             <a:endParaRPr lang="en-US"/>
           </a:p>
@@ -1650,6 +1710,7 @@
           <a:p>
             <a:fld id="{B6F15528-21DE-4FAA-801E-634DDDAF4B2B}" type="slidenum">
               <a:rPr/>
+              <a:t>‹#›</a:t>
             </a:fld>
             <a:endParaRPr/>
           </a:p>
@@ -1873,7 +1934,9 @@
           <p:txBody>
             <a:bodyPr wrap="square" lIns="0" tIns="0" rIns="0" bIns="0" rtlCol="0"/>
             <a:lstStyle/>
-            <a:p/>
+            <a:p>
+              <a:endParaRPr/>
+            </a:p>
           </p:txBody>
         </p:sp>
         <p:pic>
@@ -1883,7 +1946,7 @@
             <p:nvPr/>
           </p:nvPicPr>
           <p:blipFill>
-            <a:blip r:embed="rId1" cstate="print"/>
+            <a:blip r:embed="rId2" cstate="print"/>
             <a:stretch>
               <a:fillRect/>
             </a:stretch>
@@ -1942,13 +2005,6 @@
               </a:rPr>
               <a:t>Implementing Class Constructors and Initializers</a:t>
             </a:r>
-            <a:endParaRPr sz="4500" dirty="0">
-              <a:solidFill>
-                <a:srgbClr val="171717"/>
-              </a:solidFill>
-              <a:latin typeface="Verdana" panose="020B0604030504040204"/>
-              <a:cs typeface="Verdana" panose="020B0604030504040204"/>
-            </a:endParaRPr>
           </a:p>
         </p:txBody>
       </p:sp>
@@ -1965,9 +2021,11 @@
         <p:spPr/>
         <p:txBody>
           <a:bodyPr/>
+          <a:lstStyle/>
           <a:p>
             <a:fld id="{B6F15528-21DE-4FAA-801E-634DDDAF4B2B}" type="slidenum">
               <a:rPr/>
+              <a:t>1</a:t>
             </a:fld>
             <a:endParaRPr/>
           </a:p>
@@ -2000,24 +2058,6 @@
       </p:grpSpPr>
       <p:sp>
         <p:nvSpPr>
-          <p:cNvPr id="9" name="Title 8"/>
-          <p:cNvSpPr>
-            <a:spLocks noGrp="1"/>
-          </p:cNvSpPr>
-          <p:nvPr>
-            <p:ph type="title"/>
-          </p:nvPr>
-        </p:nvSpPr>
-        <p:spPr/>
-        <p:txBody>
-          <a:bodyPr/>
-          <a:p>
-            <a:endParaRPr lang="en-US"/>
-          </a:p>
-        </p:txBody>
-      </p:sp>
-      <p:sp>
-        <p:nvSpPr>
           <p:cNvPr id="6" name="Slide Number Placeholder 5"/>
           <p:cNvSpPr>
             <a:spLocks noGrp="1"/>
@@ -2029,29 +2069,13 @@
         <p:spPr/>
         <p:txBody>
           <a:bodyPr/>
+          <a:lstStyle/>
           <a:p>
             <a:fld id="{B6F15528-21DE-4FAA-801E-634DDDAF4B2B}" type="slidenum">
               <a:rPr/>
+              <a:t>10</a:t>
             </a:fld>
             <a:endParaRPr/>
-          </a:p>
-        </p:txBody>
-      </p:sp>
-      <p:sp>
-        <p:nvSpPr>
-          <p:cNvPr id="10" name="Content Placeholder 9"/>
-          <p:cNvSpPr>
-            <a:spLocks noGrp="1"/>
-          </p:cNvSpPr>
-          <p:nvPr>
-            <p:ph sz="half" idx="3"/>
-          </p:nvPr>
-        </p:nvSpPr>
-        <p:spPr/>
-        <p:txBody>
-          <a:bodyPr/>
-          <a:p>
-            <a:endParaRPr lang="en-US"/>
           </a:p>
         </p:txBody>
       </p:sp>
@@ -2059,14 +2083,14 @@
         <p:nvPicPr>
           <p:cNvPr id="8" name="Content Placeholder 7"/>
           <p:cNvPicPr>
-            <a:picLocks noChangeAspect="1"/>
+            <a:picLocks noGrp="1" noChangeAspect="1"/>
           </p:cNvPicPr>
           <p:nvPr>
             <p:ph sz="half" idx="2"/>
           </p:nvPr>
         </p:nvPicPr>
         <p:blipFill>
-          <a:blip r:embed="rId1"/>
+          <a:blip r:embed="rId2"/>
           <a:stretch>
             <a:fillRect/>
           </a:stretch>
@@ -2119,6 +2143,7 @@
         <p:spPr/>
         <p:txBody>
           <a:bodyPr/>
+          <a:lstStyle/>
           <a:p>
             <a:endParaRPr lang="en-US"/>
           </a:p>
@@ -2137,9 +2162,11 @@
         <p:spPr/>
         <p:txBody>
           <a:bodyPr/>
+          <a:lstStyle/>
           <a:p>
             <a:fld id="{B6F15528-21DE-4FAA-801E-634DDDAF4B2B}" type="slidenum">
               <a:rPr/>
+              <a:t>11</a:t>
             </a:fld>
             <a:endParaRPr/>
           </a:p>
@@ -2158,6 +2185,7 @@
         <p:spPr/>
         <p:txBody>
           <a:bodyPr/>
+          <a:lstStyle/>
           <a:p>
             <a:endParaRPr lang="en-US"/>
           </a:p>
@@ -2167,14 +2195,14 @@
         <p:nvPicPr>
           <p:cNvPr id="10" name="Content Placeholder 9"/>
           <p:cNvPicPr>
-            <a:picLocks noChangeAspect="1"/>
+            <a:picLocks noGrp="1" noChangeAspect="1"/>
           </p:cNvPicPr>
           <p:nvPr>
             <p:ph sz="half" idx="2"/>
           </p:nvPr>
         </p:nvPicPr>
         <p:blipFill>
-          <a:blip r:embed="rId1"/>
+          <a:blip r:embed="rId2"/>
           <a:stretch>
             <a:fillRect/>
           </a:stretch>
@@ -2227,6 +2255,7 @@
         <p:spPr/>
         <p:txBody>
           <a:bodyPr/>
+          <a:lstStyle/>
           <a:p>
             <a:endParaRPr lang="en-US"/>
           </a:p>
@@ -2245,9 +2274,11 @@
         <p:spPr/>
         <p:txBody>
           <a:bodyPr/>
+          <a:lstStyle/>
           <a:p>
             <a:fld id="{B6F15528-21DE-4FAA-801E-634DDDAF4B2B}" type="slidenum">
               <a:rPr/>
+              <a:t>12</a:t>
             </a:fld>
             <a:endParaRPr/>
           </a:p>
@@ -2266,6 +2297,7 @@
         <p:spPr/>
         <p:txBody>
           <a:bodyPr/>
+          <a:lstStyle/>
           <a:p>
             <a:endParaRPr lang="en-US"/>
           </a:p>
@@ -2275,14 +2307,14 @@
         <p:nvPicPr>
           <p:cNvPr id="10" name="Content Placeholder 9"/>
           <p:cNvPicPr>
-            <a:picLocks noChangeAspect="1"/>
+            <a:picLocks noGrp="1" noChangeAspect="1"/>
           </p:cNvPicPr>
           <p:nvPr>
             <p:ph sz="half" idx="2"/>
           </p:nvPr>
         </p:nvPicPr>
         <p:blipFill>
-          <a:blip r:embed="rId1"/>
+          <a:blip r:embed="rId2"/>
           <a:stretch>
             <a:fillRect/>
           </a:stretch>
@@ -2335,6 +2367,7 @@
         <p:spPr/>
         <p:txBody>
           <a:bodyPr/>
+          <a:lstStyle/>
           <a:p>
             <a:endParaRPr lang="en-US"/>
           </a:p>
@@ -2353,9 +2386,11 @@
         <p:spPr/>
         <p:txBody>
           <a:bodyPr/>
+          <a:lstStyle/>
           <a:p>
             <a:fld id="{B6F15528-21DE-4FAA-801E-634DDDAF4B2B}" type="slidenum">
               <a:rPr/>
+              <a:t>13</a:t>
             </a:fld>
             <a:endParaRPr/>
           </a:p>
@@ -2374,6 +2409,7 @@
         <p:spPr/>
         <p:txBody>
           <a:bodyPr/>
+          <a:lstStyle/>
           <a:p>
             <a:endParaRPr lang="en-US"/>
           </a:p>
@@ -2383,14 +2419,14 @@
         <p:nvPicPr>
           <p:cNvPr id="10" name="Content Placeholder 9"/>
           <p:cNvPicPr>
-            <a:picLocks noChangeAspect="1"/>
+            <a:picLocks noGrp="1" noChangeAspect="1"/>
           </p:cNvPicPr>
           <p:nvPr>
             <p:ph sz="half" idx="2"/>
           </p:nvPr>
         </p:nvPicPr>
         <p:blipFill>
-          <a:blip r:embed="rId1"/>
+          <a:blip r:embed="rId2"/>
           <a:stretch>
             <a:fillRect/>
           </a:stretch>
@@ -2443,6 +2479,7 @@
         <p:spPr/>
         <p:txBody>
           <a:bodyPr/>
+          <a:lstStyle/>
           <a:p>
             <a:endParaRPr lang="en-US"/>
           </a:p>
@@ -2461,9 +2498,11 @@
         <p:spPr/>
         <p:txBody>
           <a:bodyPr/>
+          <a:lstStyle/>
           <a:p>
             <a:fld id="{B6F15528-21DE-4FAA-801E-634DDDAF4B2B}" type="slidenum">
               <a:rPr/>
+              <a:t>14</a:t>
             </a:fld>
             <a:endParaRPr/>
           </a:p>
@@ -2482,6 +2521,7 @@
         <p:spPr/>
         <p:txBody>
           <a:bodyPr/>
+          <a:lstStyle/>
           <a:p>
             <a:endParaRPr lang="en-US"/>
           </a:p>
@@ -2491,14 +2531,14 @@
         <p:nvPicPr>
           <p:cNvPr id="7" name="Content Placeholder 6"/>
           <p:cNvPicPr>
-            <a:picLocks noChangeAspect="1"/>
+            <a:picLocks noGrp="1" noChangeAspect="1"/>
           </p:cNvPicPr>
           <p:nvPr>
             <p:ph sz="half" idx="2"/>
           </p:nvPr>
         </p:nvPicPr>
         <p:blipFill>
-          <a:blip r:embed="rId1"/>
+          <a:blip r:embed="rId2"/>
           <a:stretch>
             <a:fillRect/>
           </a:stretch>
@@ -2551,6 +2591,7 @@
         <p:spPr/>
         <p:txBody>
           <a:bodyPr/>
+          <a:lstStyle/>
           <a:p>
             <a:endParaRPr lang="en-US"/>
           </a:p>
@@ -2569,9 +2610,11 @@
         <p:spPr/>
         <p:txBody>
           <a:bodyPr/>
+          <a:lstStyle/>
           <a:p>
             <a:fld id="{B6F15528-21DE-4FAA-801E-634DDDAF4B2B}" type="slidenum">
               <a:rPr/>
+              <a:t>15</a:t>
             </a:fld>
             <a:endParaRPr/>
           </a:p>
@@ -2590,6 +2633,7 @@
         <p:spPr/>
         <p:txBody>
           <a:bodyPr/>
+          <a:lstStyle/>
           <a:p>
             <a:endParaRPr lang="en-US"/>
           </a:p>
@@ -2599,14 +2643,14 @@
         <p:nvPicPr>
           <p:cNvPr id="8" name="Content Placeholder 7"/>
           <p:cNvPicPr>
-            <a:picLocks noChangeAspect="1"/>
+            <a:picLocks noGrp="1" noChangeAspect="1"/>
           </p:cNvPicPr>
           <p:nvPr>
             <p:ph sz="half" idx="2"/>
           </p:nvPr>
         </p:nvPicPr>
         <p:blipFill>
-          <a:blip r:embed="rId1"/>
+          <a:blip r:embed="rId2"/>
           <a:stretch>
             <a:fillRect/>
           </a:stretch>
@@ -2659,6 +2703,7 @@
         <p:spPr/>
         <p:txBody>
           <a:bodyPr/>
+          <a:lstStyle/>
           <a:p>
             <a:endParaRPr lang="en-US"/>
           </a:p>
@@ -2677,9 +2722,11 @@
         <p:spPr/>
         <p:txBody>
           <a:bodyPr/>
+          <a:lstStyle/>
           <a:p>
             <a:fld id="{B6F15528-21DE-4FAA-801E-634DDDAF4B2B}" type="slidenum">
               <a:rPr/>
+              <a:t>16</a:t>
             </a:fld>
             <a:endParaRPr/>
           </a:p>
@@ -2698,6 +2745,7 @@
         <p:spPr/>
         <p:txBody>
           <a:bodyPr/>
+          <a:lstStyle/>
           <a:p>
             <a:endParaRPr lang="en-US"/>
           </a:p>
@@ -2707,14 +2755,14 @@
         <p:nvPicPr>
           <p:cNvPr id="7" name="Content Placeholder 6"/>
           <p:cNvPicPr>
-            <a:picLocks noChangeAspect="1"/>
+            <a:picLocks noGrp="1" noChangeAspect="1"/>
           </p:cNvPicPr>
           <p:nvPr>
             <p:ph sz="half" idx="2"/>
           </p:nvPr>
         </p:nvPicPr>
         <p:blipFill>
-          <a:blip r:embed="rId1"/>
+          <a:blip r:embed="rId2"/>
           <a:stretch>
             <a:fillRect/>
           </a:stretch>
@@ -2767,6 +2815,7 @@
         <p:spPr/>
         <p:txBody>
           <a:bodyPr/>
+          <a:lstStyle/>
           <a:p>
             <a:endParaRPr lang="en-US"/>
           </a:p>
@@ -2785,9 +2834,11 @@
         <p:spPr/>
         <p:txBody>
           <a:bodyPr/>
+          <a:lstStyle/>
           <a:p>
             <a:fld id="{B6F15528-21DE-4FAA-801E-634DDDAF4B2B}" type="slidenum">
               <a:rPr/>
+              <a:t>17</a:t>
             </a:fld>
             <a:endParaRPr/>
           </a:p>
@@ -2806,6 +2857,7 @@
         <p:spPr/>
         <p:txBody>
           <a:bodyPr/>
+          <a:lstStyle/>
           <a:p>
             <a:endParaRPr lang="en-US"/>
           </a:p>
@@ -2815,14 +2867,14 @@
         <p:nvPicPr>
           <p:cNvPr id="3" name="Content Placeholder 2"/>
           <p:cNvPicPr>
-            <a:picLocks noChangeAspect="1"/>
+            <a:picLocks noGrp="1" noChangeAspect="1"/>
           </p:cNvPicPr>
           <p:nvPr>
             <p:ph sz="half" idx="2"/>
           </p:nvPr>
         </p:nvPicPr>
         <p:blipFill>
-          <a:blip r:embed="rId1"/>
+          <a:blip r:embed="rId2"/>
           <a:stretch>
             <a:fillRect/>
           </a:stretch>
@@ -2875,6 +2927,7 @@
         <p:spPr/>
         <p:txBody>
           <a:bodyPr/>
+          <a:lstStyle/>
           <a:p>
             <a:endParaRPr lang="en-US"/>
           </a:p>
@@ -2893,9 +2946,11 @@
         <p:spPr/>
         <p:txBody>
           <a:bodyPr/>
+          <a:lstStyle/>
           <a:p>
             <a:fld id="{B6F15528-21DE-4FAA-801E-634DDDAF4B2B}" type="slidenum">
               <a:rPr/>
+              <a:t>18</a:t>
             </a:fld>
             <a:endParaRPr/>
           </a:p>
@@ -2904,7 +2959,9 @@
       <p:sp>
         <p:nvSpPr>
           <p:cNvPr id="2" name="Content Placeholder 1"/>
-          <p:cNvSpPr/>
+          <p:cNvSpPr>
+            <a:spLocks noGrp="1"/>
+          </p:cNvSpPr>
           <p:nvPr>
             <p:ph sz="half" idx="2"/>
           </p:nvPr>
@@ -2912,6 +2969,7 @@
         <p:spPr/>
         <p:txBody>
           <a:bodyPr/>
+          <a:lstStyle/>
           <a:p>
             <a:endParaRPr lang="en-US"/>
           </a:p>
@@ -2921,14 +2979,14 @@
         <p:nvPicPr>
           <p:cNvPr id="4" name="Content Placeholder 3"/>
           <p:cNvPicPr>
-            <a:picLocks noChangeAspect="1"/>
+            <a:picLocks noGrp="1" noChangeAspect="1"/>
           </p:cNvPicPr>
           <p:nvPr>
             <p:ph sz="half" idx="3"/>
           </p:nvPr>
         </p:nvPicPr>
         <p:blipFill>
-          <a:blip r:embed="rId1"/>
+          <a:blip r:embed="rId2"/>
           <a:stretch>
             <a:fillRect/>
           </a:stretch>
@@ -2957,7 +3015,7 @@
     <p:bg>
       <p:bgPr>
         <a:blipFill>
-          <a:blip r:embed="rId1"/>
+          <a:blip r:embed="rId2"/>
           <a:stretch>
             <a:fillRect/>
           </a:stretch>
@@ -2992,6 +3050,7 @@
         <p:spPr/>
         <p:txBody>
           <a:bodyPr/>
+          <a:lstStyle/>
           <a:p>
             <a:endParaRPr lang="en-US"/>
           </a:p>
@@ -3010,9 +3069,11 @@
         <p:spPr/>
         <p:txBody>
           <a:bodyPr/>
+          <a:lstStyle/>
           <a:p>
             <a:fld id="{B6F15528-21DE-4FAA-801E-634DDDAF4B2B}" type="slidenum">
               <a:rPr/>
+              <a:t>19</a:t>
             </a:fld>
             <a:endParaRPr/>
           </a:p>
@@ -3022,14 +3083,14 @@
         <p:nvPicPr>
           <p:cNvPr id="6" name="Content Placeholder 5"/>
           <p:cNvPicPr>
-            <a:picLocks noChangeAspect="1"/>
+            <a:picLocks noGrp="1" noChangeAspect="1"/>
           </p:cNvPicPr>
           <p:nvPr>
             <p:ph sz="half" idx="2"/>
           </p:nvPr>
         </p:nvPicPr>
         <p:blipFill>
-          <a:blip r:embed="rId2"/>
+          <a:blip r:embed="rId3"/>
           <a:stretch>
             <a:fillRect/>
           </a:stretch>
@@ -3048,14 +3109,14 @@
         <p:nvPicPr>
           <p:cNvPr id="7" name="Content Placeholder 6"/>
           <p:cNvPicPr>
-            <a:picLocks noChangeAspect="1"/>
+            <a:picLocks noGrp="1" noChangeAspect="1"/>
           </p:cNvPicPr>
           <p:nvPr>
             <p:ph sz="half" idx="3"/>
           </p:nvPr>
         </p:nvPicPr>
         <p:blipFill>
-          <a:blip r:embed="rId1"/>
+          <a:blip r:embed="rId2"/>
           <a:stretch>
             <a:fillRect/>
           </a:stretch>
@@ -3095,24 +3156,6 @@
           <a:chExt cx="0" cy="0"/>
         </a:xfrm>
       </p:grpSpPr>
-      <p:sp>
-        <p:nvSpPr>
-          <p:cNvPr id="10" name="Title 9"/>
-          <p:cNvSpPr>
-            <a:spLocks noGrp="1"/>
-          </p:cNvSpPr>
-          <p:nvPr>
-            <p:ph type="title"/>
-          </p:nvPr>
-        </p:nvSpPr>
-        <p:spPr/>
-        <p:txBody>
-          <a:bodyPr/>
-          <a:p>
-            <a:endParaRPr lang="en-US"/>
-          </a:p>
-        </p:txBody>
-      </p:sp>
       <p:pic>
         <p:nvPicPr>
           <p:cNvPr id="3" name="object 3"/>
@@ -3120,7 +3163,7 @@
           <p:nvPr/>
         </p:nvPicPr>
         <p:blipFill>
-          <a:blip r:embed="rId1" cstate="print"/>
+          <a:blip r:embed="rId2" cstate="print"/>
           <a:stretch>
             <a:fillRect/>
           </a:stretch>
@@ -3135,24 +3178,6 @@
           </a:prstGeom>
         </p:spPr>
       </p:pic>
-      <p:sp>
-        <p:nvSpPr>
-          <p:cNvPr id="11" name="Content Placeholder 10"/>
-          <p:cNvSpPr>
-            <a:spLocks noGrp="1"/>
-          </p:cNvSpPr>
-          <p:nvPr>
-            <p:ph sz="half" idx="3"/>
-          </p:nvPr>
-        </p:nvSpPr>
-        <p:spPr/>
-        <p:txBody>
-          <a:bodyPr/>
-          <a:p>
-            <a:endParaRPr lang="en-US"/>
-          </a:p>
-        </p:txBody>
-      </p:sp>
       <p:sp>
         <p:nvSpPr>
           <p:cNvPr id="6" name="object 6"/>
@@ -3212,9 +3237,11 @@
         <p:spPr/>
         <p:txBody>
           <a:bodyPr/>
+          <a:lstStyle/>
           <a:p>
             <a:fld id="{B6F15528-21DE-4FAA-801E-634DDDAF4B2B}" type="slidenum">
               <a:rPr/>
+              <a:t>2</a:t>
             </a:fld>
             <a:endParaRPr/>
           </a:p>
@@ -3224,14 +3251,14 @@
         <p:nvPicPr>
           <p:cNvPr id="9" name="Content Placeholder 8"/>
           <p:cNvPicPr>
-            <a:picLocks noChangeAspect="1"/>
+            <a:picLocks noGrp="1" noChangeAspect="1"/>
           </p:cNvPicPr>
           <p:nvPr>
             <p:ph sz="half" idx="2"/>
           </p:nvPr>
         </p:nvPicPr>
         <p:blipFill>
-          <a:blip r:embed="rId2"/>
+          <a:blip r:embed="rId3"/>
           <a:stretch>
             <a:fillRect/>
           </a:stretch>
@@ -3284,6 +3311,7 @@
         <p:spPr/>
         <p:txBody>
           <a:bodyPr/>
+          <a:lstStyle/>
           <a:p>
             <a:endParaRPr lang="en-US"/>
           </a:p>
@@ -3302,9 +3330,11 @@
         <p:spPr/>
         <p:txBody>
           <a:bodyPr/>
+          <a:lstStyle/>
           <a:p>
             <a:fld id="{B6F15528-21DE-4FAA-801E-634DDDAF4B2B}" type="slidenum">
               <a:rPr/>
+              <a:t>20</a:t>
             </a:fld>
             <a:endParaRPr/>
           </a:p>
@@ -3323,6 +3353,7 @@
         <p:spPr/>
         <p:txBody>
           <a:bodyPr/>
+          <a:lstStyle/>
           <a:p>
             <a:endParaRPr lang="en-US"/>
           </a:p>
@@ -3332,14 +3363,14 @@
         <p:nvPicPr>
           <p:cNvPr id="9" name="Content Placeholder 8"/>
           <p:cNvPicPr>
-            <a:picLocks noChangeAspect="1"/>
+            <a:picLocks noGrp="1" noChangeAspect="1"/>
           </p:cNvPicPr>
           <p:nvPr>
             <p:ph sz="half" idx="2"/>
           </p:nvPr>
         </p:nvPicPr>
         <p:blipFill>
-          <a:blip r:embed="rId1"/>
+          <a:blip r:embed="rId2"/>
           <a:stretch>
             <a:fillRect/>
           </a:stretch>
@@ -3368,7 +3399,7 @@
     <p:bg>
       <p:bgPr>
         <a:blipFill>
-          <a:blip r:embed="rId1"/>
+          <a:blip r:embed="rId2"/>
           <a:stretch>
             <a:fillRect/>
           </a:stretch>
@@ -3403,6 +3434,7 @@
         <p:spPr/>
         <p:txBody>
           <a:bodyPr/>
+          <a:lstStyle/>
           <a:p>
             <a:endParaRPr lang="en-US"/>
           </a:p>
@@ -3421,9 +3453,11 @@
         <p:spPr/>
         <p:txBody>
           <a:bodyPr/>
+          <a:lstStyle/>
           <a:p>
             <a:fld id="{B6F15528-21DE-4FAA-801E-634DDDAF4B2B}" type="slidenum">
               <a:rPr/>
+              <a:t>21</a:t>
             </a:fld>
             <a:endParaRPr/>
           </a:p>
@@ -3433,14 +3467,14 @@
         <p:nvPicPr>
           <p:cNvPr id="7" name="Content Placeholder 6"/>
           <p:cNvPicPr>
-            <a:picLocks noChangeAspect="1"/>
+            <a:picLocks noGrp="1" noChangeAspect="1"/>
           </p:cNvPicPr>
           <p:nvPr>
             <p:ph sz="half" idx="3"/>
           </p:nvPr>
         </p:nvPicPr>
         <p:blipFill>
-          <a:blip r:embed="rId1"/>
+          <a:blip r:embed="rId2"/>
           <a:stretch>
             <a:fillRect/>
           </a:stretch>
@@ -3459,14 +3493,14 @@
         <p:nvPicPr>
           <p:cNvPr id="3" name="Content Placeholder 2"/>
           <p:cNvPicPr>
-            <a:picLocks noChangeAspect="1"/>
+            <a:picLocks noGrp="1" noChangeAspect="1"/>
           </p:cNvPicPr>
           <p:nvPr>
             <p:ph sz="half" idx="2"/>
           </p:nvPr>
         </p:nvPicPr>
         <p:blipFill>
-          <a:blip r:embed="rId2"/>
+          <a:blip r:embed="rId3"/>
           <a:stretch>
             <a:fillRect/>
           </a:stretch>
@@ -3495,7 +3529,7 @@
     <p:bg>
       <p:bgPr>
         <a:blipFill>
-          <a:blip r:embed="rId1"/>
+          <a:blip r:embed="rId2"/>
           <a:stretch>
             <a:fillRect/>
           </a:stretch>
@@ -3530,6 +3564,7 @@
         <p:spPr/>
         <p:txBody>
           <a:bodyPr/>
+          <a:lstStyle/>
           <a:p>
             <a:endParaRPr lang="en-US"/>
           </a:p>
@@ -3548,9 +3583,11 @@
         <p:spPr/>
         <p:txBody>
           <a:bodyPr/>
+          <a:lstStyle/>
           <a:p>
             <a:fld id="{B6F15528-21DE-4FAA-801E-634DDDAF4B2B}" type="slidenum">
               <a:rPr/>
+              <a:t>22</a:t>
             </a:fld>
             <a:endParaRPr/>
           </a:p>
@@ -3560,14 +3597,14 @@
         <p:nvPicPr>
           <p:cNvPr id="7" name="Content Placeholder 6"/>
           <p:cNvPicPr>
-            <a:picLocks noChangeAspect="1"/>
+            <a:picLocks noGrp="1" noChangeAspect="1"/>
           </p:cNvPicPr>
           <p:nvPr>
             <p:ph sz="half" idx="3"/>
           </p:nvPr>
         </p:nvPicPr>
         <p:blipFill>
-          <a:blip r:embed="rId1"/>
+          <a:blip r:embed="rId2"/>
           <a:stretch>
             <a:fillRect/>
           </a:stretch>
@@ -3586,14 +3623,14 @@
         <p:nvPicPr>
           <p:cNvPr id="4" name="Content Placeholder 3"/>
           <p:cNvPicPr>
-            <a:picLocks noChangeAspect="1"/>
+            <a:picLocks noGrp="1" noChangeAspect="1"/>
           </p:cNvPicPr>
           <p:nvPr>
             <p:ph sz="half" idx="2"/>
           </p:nvPr>
         </p:nvPicPr>
         <p:blipFill>
-          <a:blip r:embed="rId2"/>
+          <a:blip r:embed="rId3"/>
           <a:stretch>
             <a:fillRect/>
           </a:stretch>
@@ -3622,7 +3659,7 @@
     <p:bg>
       <p:bgPr>
         <a:blipFill>
-          <a:blip r:embed="rId1"/>
+          <a:blip r:embed="rId2"/>
           <a:stretch>
             <a:fillRect/>
           </a:stretch>
@@ -3657,6 +3694,7 @@
         <p:spPr/>
         <p:txBody>
           <a:bodyPr/>
+          <a:lstStyle/>
           <a:p>
             <a:endParaRPr lang="en-US"/>
           </a:p>
@@ -3675,9 +3713,11 @@
         <p:spPr/>
         <p:txBody>
           <a:bodyPr/>
+          <a:lstStyle/>
           <a:p>
             <a:fld id="{B6F15528-21DE-4FAA-801E-634DDDAF4B2B}" type="slidenum">
               <a:rPr/>
+              <a:t>23</a:t>
             </a:fld>
             <a:endParaRPr/>
           </a:p>
@@ -3687,14 +3727,14 @@
         <p:nvPicPr>
           <p:cNvPr id="7" name="Content Placeholder 6"/>
           <p:cNvPicPr>
-            <a:picLocks noChangeAspect="1"/>
+            <a:picLocks noGrp="1" noChangeAspect="1"/>
           </p:cNvPicPr>
           <p:nvPr>
             <p:ph sz="half" idx="3"/>
           </p:nvPr>
         </p:nvPicPr>
         <p:blipFill>
-          <a:blip r:embed="rId1"/>
+          <a:blip r:embed="rId2"/>
           <a:stretch>
             <a:fillRect/>
           </a:stretch>
@@ -3713,14 +3753,14 @@
         <p:nvPicPr>
           <p:cNvPr id="3" name="Content Placeholder 2"/>
           <p:cNvPicPr>
-            <a:picLocks noChangeAspect="1"/>
+            <a:picLocks noGrp="1" noChangeAspect="1"/>
           </p:cNvPicPr>
           <p:nvPr>
             <p:ph sz="half" idx="2"/>
           </p:nvPr>
         </p:nvPicPr>
         <p:blipFill>
-          <a:blip r:embed="rId2"/>
+          <a:blip r:embed="rId3"/>
           <a:stretch>
             <a:fillRect/>
           </a:stretch>
@@ -3773,6 +3813,7 @@
         <p:spPr/>
         <p:txBody>
           <a:bodyPr/>
+          <a:lstStyle/>
           <a:p>
             <a:endParaRPr lang="en-US"/>
           </a:p>
@@ -3791,9 +3832,11 @@
         <p:spPr/>
         <p:txBody>
           <a:bodyPr/>
+          <a:lstStyle/>
           <a:p>
             <a:fld id="{B6F15528-21DE-4FAA-801E-634DDDAF4B2B}" type="slidenum">
               <a:rPr/>
+              <a:t>24</a:t>
             </a:fld>
             <a:endParaRPr/>
           </a:p>
@@ -3812,6 +3855,7 @@
         <p:spPr/>
         <p:txBody>
           <a:bodyPr/>
+          <a:lstStyle/>
           <a:p>
             <a:endParaRPr lang="en-US"/>
           </a:p>
@@ -3821,14 +3865,14 @@
         <p:nvPicPr>
           <p:cNvPr id="9" name="Content Placeholder 8"/>
           <p:cNvPicPr>
-            <a:picLocks noChangeAspect="1"/>
+            <a:picLocks noGrp="1" noChangeAspect="1"/>
           </p:cNvPicPr>
           <p:nvPr>
             <p:ph sz="half" idx="2"/>
           </p:nvPr>
         </p:nvPicPr>
         <p:blipFill>
-          <a:blip r:embed="rId1"/>
+          <a:blip r:embed="rId2"/>
           <a:stretch>
             <a:fillRect/>
           </a:stretch>
@@ -3857,7 +3901,7 @@
     <p:bg>
       <p:bgPr>
         <a:blipFill>
-          <a:blip r:embed="rId1"/>
+          <a:blip r:embed="rId2"/>
           <a:stretch>
             <a:fillRect/>
           </a:stretch>
@@ -3892,6 +3936,7 @@
         <p:spPr/>
         <p:txBody>
           <a:bodyPr/>
+          <a:lstStyle/>
           <a:p>
             <a:endParaRPr lang="en-US"/>
           </a:p>
@@ -3910,9 +3955,11 @@
         <p:spPr/>
         <p:txBody>
           <a:bodyPr/>
+          <a:lstStyle/>
           <a:p>
             <a:fld id="{B6F15528-21DE-4FAA-801E-634DDDAF4B2B}" type="slidenum">
               <a:rPr/>
+              <a:t>25</a:t>
             </a:fld>
             <a:endParaRPr/>
           </a:p>
@@ -3922,14 +3969,14 @@
         <p:nvPicPr>
           <p:cNvPr id="6" name="Content Placeholder 5"/>
           <p:cNvPicPr>
-            <a:picLocks noChangeAspect="1"/>
+            <a:picLocks noGrp="1" noChangeAspect="1"/>
           </p:cNvPicPr>
           <p:nvPr>
             <p:ph sz="half" idx="3"/>
           </p:nvPr>
         </p:nvPicPr>
         <p:blipFill>
-          <a:blip r:embed="rId2"/>
+          <a:blip r:embed="rId3"/>
           <a:stretch>
             <a:fillRect/>
           </a:stretch>
@@ -3958,7 +4005,7 @@
     <p:bg>
       <p:bgPr>
         <a:blipFill>
-          <a:blip r:embed="rId1"/>
+          <a:blip r:embed="rId2"/>
           <a:stretch>
             <a:fillRect/>
           </a:stretch>
@@ -3993,6 +4040,7 @@
         <p:spPr/>
         <p:txBody>
           <a:bodyPr/>
+          <a:lstStyle/>
           <a:p>
             <a:endParaRPr lang="en-US"/>
           </a:p>
@@ -4011,9 +4059,11 @@
         <p:spPr/>
         <p:txBody>
           <a:bodyPr/>
+          <a:lstStyle/>
           <a:p>
             <a:fld id="{B6F15528-21DE-4FAA-801E-634DDDAF4B2B}" type="slidenum">
               <a:rPr/>
+              <a:t>26</a:t>
             </a:fld>
             <a:endParaRPr/>
           </a:p>
@@ -4023,7 +4073,7 @@
         <p:nvGraphicFramePr>
           <p:cNvPr id="3" name="Content Placeholder 2"/>
           <p:cNvGraphicFramePr>
-            <a:graphicFrameLocks noChangeAspect="1"/>
+            <a:graphicFrameLocks noGrp="1" noChangeAspect="1"/>
           </p:cNvGraphicFramePr>
           <p:nvPr>
             <p:ph sz="half" idx="3"/>
@@ -4037,12 +4087,12 @@
           <a:graphicData uri="http://schemas.openxmlformats.org/presentationml/2006/ole">
             <mc:AlternateContent xmlns:mc="http://schemas.openxmlformats.org/markup-compatibility/2006">
               <mc:Choice xmlns:v="urn:schemas-microsoft-com:vml" Requires="v">
-                <p:oleObj spid="_x0000_s4" name="" r:id="rId2" imgW="9915525" imgH="5734050" progId="Paint.Picture">
+                <p:oleObj r:id="rId3" imgW="9915525" imgH="5734050" progId="Paint.Picture">
                   <p:embed/>
                 </p:oleObj>
               </mc:Choice>
               <mc:Fallback>
-                <p:oleObj name="" r:id="rId2" imgW="9915525" imgH="5734050" progId="Paint.Picture">
+                <p:oleObj r:id="rId3" imgW="9915525" imgH="5734050" progId="Paint.Picture">
                   <p:embed/>
                   <p:pic>
                     <p:nvPicPr>
@@ -4051,7 +4101,7 @@
                       <p:nvPr/>
                     </p:nvPicPr>
                     <p:blipFill>
-                      <a:blip r:embed="rId3"/>
+                      <a:blip r:embed="rId4"/>
                       <a:stretch>
                         <a:fillRect/>
                       </a:stretch>
@@ -4110,6 +4160,7 @@
         <p:spPr/>
         <p:txBody>
           <a:bodyPr/>
+          <a:lstStyle/>
           <a:p>
             <a:endParaRPr lang="en-US"/>
           </a:p>
@@ -4174,6 +4225,7 @@
         <p:spPr/>
         <p:txBody>
           <a:bodyPr/>
+          <a:lstStyle/>
           <a:p>
             <a:endParaRPr lang="en-US"/>
           </a:p>
@@ -4192,9 +4244,11 @@
         <p:spPr/>
         <p:txBody>
           <a:bodyPr/>
+          <a:lstStyle/>
           <a:p>
             <a:fld id="{B6F15528-21DE-4FAA-801E-634DDDAF4B2B}" type="slidenum">
               <a:rPr/>
+              <a:t>27</a:t>
             </a:fld>
             <a:endParaRPr/>
           </a:p>
@@ -4204,14 +4258,14 @@
         <p:nvPicPr>
           <p:cNvPr id="10" name="Content Placeholder 9"/>
           <p:cNvPicPr>
-            <a:picLocks noChangeAspect="1"/>
+            <a:picLocks noGrp="1" noChangeAspect="1"/>
           </p:cNvPicPr>
           <p:nvPr>
             <p:ph sz="half" idx="2"/>
           </p:nvPr>
         </p:nvPicPr>
         <p:blipFill>
-          <a:blip r:embed="rId1"/>
+          <a:blip r:embed="rId2"/>
           <a:stretch>
             <a:fillRect/>
           </a:stretch>
@@ -4264,6 +4318,7 @@
         <p:spPr/>
         <p:txBody>
           <a:bodyPr/>
+          <a:lstStyle/>
           <a:p>
             <a:endParaRPr lang="en-US"/>
           </a:p>
@@ -4282,9 +4337,11 @@
         <p:spPr/>
         <p:txBody>
           <a:bodyPr/>
+          <a:lstStyle/>
           <a:p>
             <a:fld id="{B6F15528-21DE-4FAA-801E-634DDDAF4B2B}" type="slidenum">
               <a:rPr/>
+              <a:t>28</a:t>
             </a:fld>
             <a:endParaRPr/>
           </a:p>
@@ -4293,7 +4350,9 @@
       <p:sp>
         <p:nvSpPr>
           <p:cNvPr id="2" name="Content Placeholder 1"/>
-          <p:cNvSpPr/>
+          <p:cNvSpPr>
+            <a:spLocks noGrp="1"/>
+          </p:cNvSpPr>
           <p:nvPr>
             <p:ph sz="half" idx="2"/>
           </p:nvPr>
@@ -4301,6 +4360,7 @@
         <p:spPr/>
         <p:txBody>
           <a:bodyPr/>
+          <a:lstStyle/>
           <a:p>
             <a:endParaRPr lang="en-US"/>
           </a:p>
@@ -4310,14 +4370,14 @@
         <p:nvPicPr>
           <p:cNvPr id="3" name="Content Placeholder 2"/>
           <p:cNvPicPr>
-            <a:picLocks noChangeAspect="1"/>
+            <a:picLocks noGrp="1" noChangeAspect="1"/>
           </p:cNvPicPr>
           <p:nvPr>
             <p:ph sz="half" idx="3"/>
           </p:nvPr>
         </p:nvPicPr>
         <p:blipFill>
-          <a:blip r:embed="rId1"/>
+          <a:blip r:embed="rId2"/>
           <a:stretch>
             <a:fillRect/>
           </a:stretch>
@@ -4370,6 +4430,7 @@
         <p:spPr/>
         <p:txBody>
           <a:bodyPr/>
+          <a:lstStyle/>
           <a:p>
             <a:endParaRPr lang="en-US"/>
           </a:p>
@@ -4388,9 +4449,11 @@
         <p:spPr/>
         <p:txBody>
           <a:bodyPr/>
+          <a:lstStyle/>
           <a:p>
             <a:fld id="{B6F15528-21DE-4FAA-801E-634DDDAF4B2B}" type="slidenum">
               <a:rPr/>
+              <a:t>29</a:t>
             </a:fld>
             <a:endParaRPr/>
           </a:p>
@@ -4399,7 +4462,9 @@
       <p:sp>
         <p:nvSpPr>
           <p:cNvPr id="2" name="Content Placeholder 1"/>
-          <p:cNvSpPr/>
+          <p:cNvSpPr>
+            <a:spLocks noGrp="1"/>
+          </p:cNvSpPr>
           <p:nvPr>
             <p:ph sz="half" idx="2"/>
           </p:nvPr>
@@ -4407,6 +4472,7 @@
         <p:spPr/>
         <p:txBody>
           <a:bodyPr/>
+          <a:lstStyle/>
           <a:p>
             <a:endParaRPr lang="en-US"/>
           </a:p>
@@ -4416,14 +4482,14 @@
         <p:nvPicPr>
           <p:cNvPr id="5" name="Content Placeholder 4"/>
           <p:cNvPicPr>
-            <a:picLocks noChangeAspect="1"/>
+            <a:picLocks noGrp="1" noChangeAspect="1"/>
           </p:cNvPicPr>
           <p:nvPr>
             <p:ph sz="half" idx="3"/>
           </p:nvPr>
         </p:nvPicPr>
         <p:blipFill>
-          <a:blip r:embed="rId1"/>
+          <a:blip r:embed="rId2"/>
           <a:stretch>
             <a:fillRect/>
           </a:stretch>
@@ -4476,6 +4542,7 @@
         <p:spPr/>
         <p:txBody>
           <a:bodyPr/>
+          <a:lstStyle/>
           <a:p>
             <a:endParaRPr lang="en-US"/>
           </a:p>
@@ -4494,9 +4561,11 @@
         <p:spPr/>
         <p:txBody>
           <a:bodyPr/>
+          <a:lstStyle/>
           <a:p>
             <a:fld id="{B6F15528-21DE-4FAA-801E-634DDDAF4B2B}" type="slidenum">
               <a:rPr/>
+              <a:t>3</a:t>
             </a:fld>
             <a:endParaRPr/>
           </a:p>
@@ -4515,6 +4584,7 @@
         <p:spPr/>
         <p:txBody>
           <a:bodyPr/>
+          <a:lstStyle/>
           <a:p>
             <a:endParaRPr lang="en-US"/>
           </a:p>
@@ -4524,14 +4594,14 @@
         <p:nvPicPr>
           <p:cNvPr id="10" name="Content Placeholder 9"/>
           <p:cNvPicPr>
-            <a:picLocks noChangeAspect="1"/>
+            <a:picLocks noGrp="1" noChangeAspect="1"/>
           </p:cNvPicPr>
           <p:nvPr>
             <p:ph sz="half" idx="2"/>
           </p:nvPr>
         </p:nvPicPr>
         <p:blipFill>
-          <a:blip r:embed="rId1"/>
+          <a:blip r:embed="rId2"/>
           <a:stretch>
             <a:fillRect/>
           </a:stretch>
@@ -4584,6 +4654,7 @@
         <p:spPr/>
         <p:txBody>
           <a:bodyPr/>
+          <a:lstStyle/>
           <a:p>
             <a:endParaRPr lang="en-US"/>
           </a:p>
@@ -4602,9 +4673,11 @@
         <p:spPr/>
         <p:txBody>
           <a:bodyPr/>
+          <a:lstStyle/>
           <a:p>
             <a:fld id="{B6F15528-21DE-4FAA-801E-634DDDAF4B2B}" type="slidenum">
               <a:rPr/>
+              <a:t>30</a:t>
             </a:fld>
             <a:endParaRPr/>
           </a:p>
@@ -4613,7 +4686,9 @@
       <p:sp>
         <p:nvSpPr>
           <p:cNvPr id="2" name="Content Placeholder 1"/>
-          <p:cNvSpPr/>
+          <p:cNvSpPr>
+            <a:spLocks noGrp="1"/>
+          </p:cNvSpPr>
           <p:nvPr>
             <p:ph sz="half" idx="2"/>
           </p:nvPr>
@@ -4621,6 +4696,7 @@
         <p:spPr/>
         <p:txBody>
           <a:bodyPr/>
+          <a:lstStyle/>
           <a:p>
             <a:endParaRPr lang="en-US"/>
           </a:p>
@@ -4630,14 +4706,14 @@
         <p:nvPicPr>
           <p:cNvPr id="4" name="Content Placeholder 3"/>
           <p:cNvPicPr>
-            <a:picLocks noChangeAspect="1"/>
+            <a:picLocks noGrp="1" noChangeAspect="1"/>
           </p:cNvPicPr>
           <p:nvPr>
             <p:ph sz="half" idx="3"/>
           </p:nvPr>
         </p:nvPicPr>
         <p:blipFill>
-          <a:blip r:embed="rId1"/>
+          <a:blip r:embed="rId2"/>
           <a:stretch>
             <a:fillRect/>
           </a:stretch>
@@ -4690,6 +4766,7 @@
         <p:spPr/>
         <p:txBody>
           <a:bodyPr/>
+          <a:lstStyle/>
           <a:p>
             <a:endParaRPr lang="en-US"/>
           </a:p>
@@ -4708,9 +4785,11 @@
         <p:spPr/>
         <p:txBody>
           <a:bodyPr/>
+          <a:lstStyle/>
           <a:p>
             <a:fld id="{B6F15528-21DE-4FAA-801E-634DDDAF4B2B}" type="slidenum">
               <a:rPr/>
+              <a:t>31</a:t>
             </a:fld>
             <a:endParaRPr/>
           </a:p>
@@ -4719,7 +4798,9 @@
       <p:sp>
         <p:nvSpPr>
           <p:cNvPr id="2" name="Content Placeholder 1"/>
-          <p:cNvSpPr/>
+          <p:cNvSpPr>
+            <a:spLocks noGrp="1"/>
+          </p:cNvSpPr>
           <p:nvPr>
             <p:ph sz="half" idx="2"/>
           </p:nvPr>
@@ -4727,6 +4808,7 @@
         <p:spPr/>
         <p:txBody>
           <a:bodyPr/>
+          <a:lstStyle/>
           <a:p>
             <a:endParaRPr lang="en-US"/>
           </a:p>
@@ -4736,14 +4818,14 @@
         <p:nvPicPr>
           <p:cNvPr id="5" name="Content Placeholder 4"/>
           <p:cNvPicPr>
-            <a:picLocks noChangeAspect="1"/>
+            <a:picLocks noGrp="1" noChangeAspect="1"/>
           </p:cNvPicPr>
           <p:nvPr>
             <p:ph sz="half" idx="3"/>
           </p:nvPr>
         </p:nvPicPr>
         <p:blipFill>
-          <a:blip r:embed="rId1"/>
+          <a:blip r:embed="rId2"/>
           <a:stretch>
             <a:fillRect/>
           </a:stretch>
@@ -4796,6 +4878,7 @@
         <p:spPr/>
         <p:txBody>
           <a:bodyPr/>
+          <a:lstStyle/>
           <a:p>
             <a:endParaRPr lang="en-US"/>
           </a:p>
@@ -4814,9 +4897,11 @@
         <p:spPr/>
         <p:txBody>
           <a:bodyPr/>
+          <a:lstStyle/>
           <a:p>
             <a:fld id="{B6F15528-21DE-4FAA-801E-634DDDAF4B2B}" type="slidenum">
               <a:rPr/>
+              <a:t>32</a:t>
             </a:fld>
             <a:endParaRPr/>
           </a:p>
@@ -4825,7 +4910,9 @@
       <p:sp>
         <p:nvSpPr>
           <p:cNvPr id="2" name="Content Placeholder 1"/>
-          <p:cNvSpPr/>
+          <p:cNvSpPr>
+            <a:spLocks noGrp="1"/>
+          </p:cNvSpPr>
           <p:nvPr>
             <p:ph sz="half" idx="2"/>
           </p:nvPr>
@@ -4833,6 +4920,7 @@
         <p:spPr/>
         <p:txBody>
           <a:bodyPr/>
+          <a:lstStyle/>
           <a:p>
             <a:endParaRPr lang="en-US"/>
           </a:p>
@@ -4842,14 +4930,14 @@
         <p:nvPicPr>
           <p:cNvPr id="4" name="Content Placeholder 3"/>
           <p:cNvPicPr>
-            <a:picLocks noChangeAspect="1"/>
+            <a:picLocks noGrp="1" noChangeAspect="1"/>
           </p:cNvPicPr>
           <p:nvPr>
             <p:ph sz="half" idx="3"/>
           </p:nvPr>
         </p:nvPicPr>
         <p:blipFill>
-          <a:blip r:embed="rId1"/>
+          <a:blip r:embed="rId2"/>
           <a:stretch>
             <a:fillRect/>
           </a:stretch>
@@ -4902,6 +4990,7 @@
         <p:spPr/>
         <p:txBody>
           <a:bodyPr/>
+          <a:lstStyle/>
           <a:p>
             <a:endParaRPr lang="en-US"/>
           </a:p>
@@ -4914,7 +5003,7 @@
           <p:nvPr/>
         </p:nvPicPr>
         <p:blipFill>
-          <a:blip r:embed="rId1" cstate="print"/>
+          <a:blip r:embed="rId2" cstate="print"/>
           <a:stretch>
             <a:fillRect/>
           </a:stretch>
@@ -4929,24 +5018,6 @@
           </a:prstGeom>
         </p:spPr>
       </p:pic>
-      <p:sp>
-        <p:nvSpPr>
-          <p:cNvPr id="12" name="Content Placeholder 11"/>
-          <p:cNvSpPr>
-            <a:spLocks noGrp="1"/>
-          </p:cNvSpPr>
-          <p:nvPr>
-            <p:ph sz="half" idx="3"/>
-          </p:nvPr>
-        </p:nvSpPr>
-        <p:spPr/>
-        <p:txBody>
-          <a:bodyPr/>
-          <a:p>
-            <a:endParaRPr lang="en-US"/>
-          </a:p>
-        </p:txBody>
-      </p:sp>
       <p:sp>
         <p:nvSpPr>
           <p:cNvPr id="7" name="object 7"/>
@@ -5006,9 +5077,11 @@
         <p:spPr/>
         <p:txBody>
           <a:bodyPr/>
+          <a:lstStyle/>
           <a:p>
             <a:fld id="{B6F15528-21DE-4FAA-801E-634DDDAF4B2B}" type="slidenum">
               <a:rPr/>
+              <a:t>33</a:t>
             </a:fld>
             <a:endParaRPr/>
           </a:p>
@@ -5018,14 +5091,14 @@
         <p:nvPicPr>
           <p:cNvPr id="10" name="Content Placeholder 9"/>
           <p:cNvPicPr>
-            <a:picLocks noChangeAspect="1"/>
+            <a:picLocks noGrp="1" noChangeAspect="1"/>
           </p:cNvPicPr>
           <p:nvPr>
             <p:ph sz="half" idx="2"/>
           </p:nvPr>
         </p:nvPicPr>
         <p:blipFill>
-          <a:blip r:embed="rId2"/>
+          <a:blip r:embed="rId3"/>
           <a:stretch>
             <a:fillRect/>
           </a:stretch>
@@ -5086,6 +5159,7 @@
         <p:spPr/>
         <p:txBody>
           <a:bodyPr/>
+          <a:lstStyle/>
           <a:p>
             <a:endParaRPr lang="en-US"/>
           </a:p>
@@ -5104,6 +5178,7 @@
         <p:spPr/>
         <p:txBody>
           <a:bodyPr/>
+          <a:lstStyle/>
           <a:p>
             <a:endParaRPr lang="en-US"/>
           </a:p>
@@ -5113,14 +5188,14 @@
         <p:nvPicPr>
           <p:cNvPr id="4" name="Content Placeholder 3"/>
           <p:cNvPicPr>
-            <a:picLocks noChangeAspect="1"/>
+            <a:picLocks noGrp="1" noChangeAspect="1"/>
           </p:cNvPicPr>
           <p:nvPr>
             <p:ph sz="half" idx="2"/>
           </p:nvPr>
         </p:nvPicPr>
         <p:blipFill>
-          <a:blip r:embed="rId1"/>
+          <a:blip r:embed="rId2"/>
           <a:stretch>
             <a:fillRect/>
           </a:stretch>
@@ -5181,6 +5256,7 @@
         <p:spPr/>
         <p:txBody>
           <a:bodyPr/>
+          <a:lstStyle/>
           <a:p>
             <a:endParaRPr lang="en-US"/>
           </a:p>
@@ -5189,7 +5265,9 @@
       <p:sp>
         <p:nvSpPr>
           <p:cNvPr id="2" name="Content Placeholder 1"/>
-          <p:cNvSpPr/>
+          <p:cNvSpPr>
+            <a:spLocks noGrp="1"/>
+          </p:cNvSpPr>
           <p:nvPr>
             <p:ph sz="half" idx="2"/>
           </p:nvPr>
@@ -5197,6 +5275,7 @@
         <p:spPr/>
         <p:txBody>
           <a:bodyPr/>
+          <a:lstStyle/>
           <a:p>
             <a:endParaRPr lang="en-US"/>
           </a:p>
@@ -5206,14 +5285,14 @@
         <p:nvPicPr>
           <p:cNvPr id="3" name="Content Placeholder 2"/>
           <p:cNvPicPr>
-            <a:picLocks noChangeAspect="1"/>
+            <a:picLocks noGrp="1" noChangeAspect="1"/>
           </p:cNvPicPr>
           <p:nvPr>
             <p:ph sz="half" idx="3"/>
           </p:nvPr>
         </p:nvPicPr>
         <p:blipFill>
-          <a:blip r:embed="rId1"/>
+          <a:blip r:embed="rId2"/>
           <a:stretch>
             <a:fillRect/>
           </a:stretch>
@@ -5266,6 +5345,7 @@
         <p:spPr/>
         <p:txBody>
           <a:bodyPr/>
+          <a:lstStyle/>
           <a:p>
             <a:endParaRPr lang="en-US"/>
           </a:p>
@@ -5284,9 +5364,11 @@
         <p:spPr/>
         <p:txBody>
           <a:bodyPr/>
+          <a:lstStyle/>
           <a:p>
             <a:fld id="{B6F15528-21DE-4FAA-801E-634DDDAF4B2B}" type="slidenum">
               <a:rPr/>
+              <a:t>4</a:t>
             </a:fld>
             <a:endParaRPr/>
           </a:p>
@@ -5305,6 +5387,7 @@
         <p:spPr/>
         <p:txBody>
           <a:bodyPr/>
+          <a:lstStyle/>
           <a:p>
             <a:endParaRPr lang="en-US"/>
           </a:p>
@@ -5314,14 +5397,14 @@
         <p:nvPicPr>
           <p:cNvPr id="8" name="Content Placeholder 7"/>
           <p:cNvPicPr>
-            <a:picLocks noChangeAspect="1"/>
+            <a:picLocks noGrp="1" noChangeAspect="1"/>
           </p:cNvPicPr>
           <p:nvPr>
             <p:ph sz="half" idx="2"/>
           </p:nvPr>
         </p:nvPicPr>
         <p:blipFill>
-          <a:blip r:embed="rId1"/>
+          <a:blip r:embed="rId2"/>
           <a:stretch>
             <a:fillRect/>
           </a:stretch>
@@ -5374,6 +5457,7 @@
         <p:spPr/>
         <p:txBody>
           <a:bodyPr/>
+          <a:lstStyle/>
           <a:p>
             <a:endParaRPr lang="en-US"/>
           </a:p>
@@ -5392,9 +5476,11 @@
         <p:spPr/>
         <p:txBody>
           <a:bodyPr/>
+          <a:lstStyle/>
           <a:p>
             <a:fld id="{B6F15528-21DE-4FAA-801E-634DDDAF4B2B}" type="slidenum">
               <a:rPr/>
+              <a:t>5</a:t>
             </a:fld>
             <a:endParaRPr/>
           </a:p>
@@ -5413,6 +5499,7 @@
         <p:spPr/>
         <p:txBody>
           <a:bodyPr/>
+          <a:lstStyle/>
           <a:p>
             <a:endParaRPr lang="en-US"/>
           </a:p>
@@ -5422,14 +5509,14 @@
         <p:nvPicPr>
           <p:cNvPr id="10" name="Content Placeholder 9"/>
           <p:cNvPicPr>
-            <a:picLocks noChangeAspect="1"/>
+            <a:picLocks noGrp="1" noChangeAspect="1"/>
           </p:cNvPicPr>
           <p:nvPr>
             <p:ph sz="half" idx="2"/>
           </p:nvPr>
         </p:nvPicPr>
         <p:blipFill>
-          <a:blip r:embed="rId1"/>
+          <a:blip r:embed="rId2"/>
           <a:stretch>
             <a:fillRect/>
           </a:stretch>
@@ -5482,6 +5569,7 @@
         <p:spPr/>
         <p:txBody>
           <a:bodyPr/>
+          <a:lstStyle/>
           <a:p>
             <a:endParaRPr lang="en-US"/>
           </a:p>
@@ -5500,9 +5588,11 @@
         <p:spPr/>
         <p:txBody>
           <a:bodyPr/>
+          <a:lstStyle/>
           <a:p>
             <a:fld id="{B6F15528-21DE-4FAA-801E-634DDDAF4B2B}" type="slidenum">
               <a:rPr/>
+              <a:t>6</a:t>
             </a:fld>
             <a:endParaRPr/>
           </a:p>
@@ -5521,6 +5611,7 @@
         <p:spPr/>
         <p:txBody>
           <a:bodyPr/>
+          <a:lstStyle/>
           <a:p>
             <a:endParaRPr lang="en-US"/>
           </a:p>
@@ -5530,14 +5621,14 @@
         <p:nvPicPr>
           <p:cNvPr id="8" name="Content Placeholder 7"/>
           <p:cNvPicPr>
-            <a:picLocks noChangeAspect="1"/>
+            <a:picLocks noGrp="1" noChangeAspect="1"/>
           </p:cNvPicPr>
           <p:nvPr>
             <p:ph sz="half" idx="2"/>
           </p:nvPr>
         </p:nvPicPr>
         <p:blipFill>
-          <a:blip r:embed="rId1"/>
+          <a:blip r:embed="rId2"/>
           <a:stretch>
             <a:fillRect/>
           </a:stretch>
@@ -5590,6 +5681,7 @@
         <p:spPr/>
         <p:txBody>
           <a:bodyPr/>
+          <a:lstStyle/>
           <a:p>
             <a:endParaRPr lang="en-US"/>
           </a:p>
@@ -5608,9 +5700,11 @@
         <p:spPr/>
         <p:txBody>
           <a:bodyPr/>
+          <a:lstStyle/>
           <a:p>
             <a:fld id="{B6F15528-21DE-4FAA-801E-634DDDAF4B2B}" type="slidenum">
               <a:rPr/>
+              <a:t>7</a:t>
             </a:fld>
             <a:endParaRPr/>
           </a:p>
@@ -5629,6 +5723,7 @@
         <p:spPr/>
         <p:txBody>
           <a:bodyPr/>
+          <a:lstStyle/>
           <a:p>
             <a:endParaRPr lang="en-US"/>
           </a:p>
@@ -5638,14 +5733,14 @@
         <p:nvPicPr>
           <p:cNvPr id="30" name="Content Placeholder 29"/>
           <p:cNvPicPr>
-            <a:picLocks noChangeAspect="1"/>
+            <a:picLocks noGrp="1" noChangeAspect="1"/>
           </p:cNvPicPr>
           <p:nvPr>
             <p:ph sz="half" idx="2"/>
           </p:nvPr>
         </p:nvPicPr>
         <p:blipFill>
-          <a:blip r:embed="rId1"/>
+          <a:blip r:embed="rId2"/>
           <a:stretch>
             <a:fillRect/>
           </a:stretch>
@@ -5698,6 +5793,7 @@
         <p:spPr/>
         <p:txBody>
           <a:bodyPr/>
+          <a:lstStyle/>
           <a:p>
             <a:endParaRPr lang="en-US"/>
           </a:p>
@@ -5716,9 +5812,11 @@
         <p:spPr/>
         <p:txBody>
           <a:bodyPr/>
+          <a:lstStyle/>
           <a:p>
             <a:fld id="{B6F15528-21DE-4FAA-801E-634DDDAF4B2B}" type="slidenum">
               <a:rPr/>
+              <a:t>8</a:t>
             </a:fld>
             <a:endParaRPr/>
           </a:p>
@@ -5737,6 +5835,7 @@
         <p:spPr/>
         <p:txBody>
           <a:bodyPr/>
+          <a:lstStyle/>
           <a:p>
             <a:endParaRPr lang="en-US"/>
           </a:p>
@@ -5746,14 +5845,14 @@
         <p:nvPicPr>
           <p:cNvPr id="30" name="Content Placeholder 29"/>
           <p:cNvPicPr>
-            <a:picLocks noChangeAspect="1"/>
+            <a:picLocks noGrp="1" noChangeAspect="1"/>
           </p:cNvPicPr>
           <p:nvPr>
             <p:ph sz="half" idx="2"/>
           </p:nvPr>
         </p:nvPicPr>
         <p:blipFill>
-          <a:blip r:embed="rId1"/>
+          <a:blip r:embed="rId2"/>
           <a:stretch>
             <a:fillRect/>
           </a:stretch>
@@ -5806,6 +5905,7 @@
         <p:spPr/>
         <p:txBody>
           <a:bodyPr/>
+          <a:lstStyle/>
           <a:p>
             <a:endParaRPr lang="en-US"/>
           </a:p>
@@ -5824,9 +5924,11 @@
         <p:spPr/>
         <p:txBody>
           <a:bodyPr/>
+          <a:lstStyle/>
           <a:p>
             <a:fld id="{B6F15528-21DE-4FAA-801E-634DDDAF4B2B}" type="slidenum">
               <a:rPr/>
+              <a:t>9</a:t>
             </a:fld>
             <a:endParaRPr/>
           </a:p>
@@ -5845,6 +5947,7 @@
         <p:spPr/>
         <p:txBody>
           <a:bodyPr/>
+          <a:lstStyle/>
           <a:p>
             <a:endParaRPr lang="en-US"/>
           </a:p>
@@ -5854,14 +5957,14 @@
         <p:nvPicPr>
           <p:cNvPr id="10" name="Content Placeholder 9"/>
           <p:cNvPicPr>
-            <a:picLocks noChangeAspect="1"/>
+            <a:picLocks noGrp="1" noChangeAspect="1"/>
           </p:cNvPicPr>
           <p:nvPr>
             <p:ph sz="half" idx="2"/>
           </p:nvPr>
         </p:nvPicPr>
         <p:blipFill>
-          <a:blip r:embed="rId1"/>
+          <a:blip r:embed="rId2"/>
           <a:stretch>
             <a:fillRect/>
           </a:stretch>
@@ -6162,6 +6265,8 @@
       </a:bgFillStyleLst>
     </a:fmtScheme>
   </a:themeElements>
+  <a:objectDefaults/>
+  <a:extraClrSchemeLst/>
   <a:extLst>
     <a:ext uri="{05A4C25C-085E-4340-85A3-A5531E510DB2}">
       <thm15:themeFamily xmlns:thm15="http://schemas.microsoft.com/office/thememl/2012/main" name="Office Theme" id="{62F939B6-93AF-4DB8-9C6B-D6C7DFDC589F}" vid="{4A3C46E8-61CC-4603-A589-7422A47A8E4A}"/>
@@ -6421,6 +6526,8 @@
       </a:bgFillStyleLst>
     </a:fmtScheme>
   </a:themeElements>
+  <a:objectDefaults/>
+  <a:extraClrSchemeLst/>
   <a:extLst>
     <a:ext uri="{05A4C25C-085E-4340-85A3-A5531E510DB2}">
       <thm15:themeFamily xmlns:thm15="http://schemas.microsoft.com/office/thememl/2012/main" name="Office Theme" id="{62F939B6-93AF-4DB8-9C6B-D6C7DFDC589F}" vid="{4A3C46E8-61CC-4603-A589-7422A47A8E4A}"/>
